--- a/Lesson Layout.pptx
+++ b/Lesson Layout.pptx
@@ -113,6 +113,11 @@
       </a:defRPr>
     </a:lvl9pPr>
   </p:defaultTextStyle>
+  <p:extLst>
+    <p:ext uri="{EFAFB233-063F-42B5-8137-9DF3F51BA10A}">
+      <p15:sldGuideLst xmlns:p15="http://schemas.microsoft.com/office/powerpoint/2012/main"/>
+    </p:ext>
+  </p:extLst>
 </p:presentation>
 </file>
 
@@ -265,7 +270,7 @@
           <a:p>
             <a:fld id="{02F046E9-A462-4556-9424-E2B18A2E9AD4}" type="datetimeFigureOut">
               <a:rPr lang="en-GB" smtClean="0"/>
-              <a:t>16/07/2018</a:t>
+              <a:t>17/07/2018</a:t>
             </a:fld>
             <a:endParaRPr lang="en-GB"/>
           </a:p>
@@ -465,7 +470,7 @@
           <a:p>
             <a:fld id="{02F046E9-A462-4556-9424-E2B18A2E9AD4}" type="datetimeFigureOut">
               <a:rPr lang="en-GB" smtClean="0"/>
-              <a:t>16/07/2018</a:t>
+              <a:t>17/07/2018</a:t>
             </a:fld>
             <a:endParaRPr lang="en-GB"/>
           </a:p>
@@ -675,7 +680,7 @@
           <a:p>
             <a:fld id="{02F046E9-A462-4556-9424-E2B18A2E9AD4}" type="datetimeFigureOut">
               <a:rPr lang="en-GB" smtClean="0"/>
-              <a:t>16/07/2018</a:t>
+              <a:t>17/07/2018</a:t>
             </a:fld>
             <a:endParaRPr lang="en-GB"/>
           </a:p>
@@ -875,7 +880,7 @@
           <a:p>
             <a:fld id="{02F046E9-A462-4556-9424-E2B18A2E9AD4}" type="datetimeFigureOut">
               <a:rPr lang="en-GB" smtClean="0"/>
-              <a:t>16/07/2018</a:t>
+              <a:t>17/07/2018</a:t>
             </a:fld>
             <a:endParaRPr lang="en-GB"/>
           </a:p>
@@ -1151,7 +1156,7 @@
           <a:p>
             <a:fld id="{02F046E9-A462-4556-9424-E2B18A2E9AD4}" type="datetimeFigureOut">
               <a:rPr lang="en-GB" smtClean="0"/>
-              <a:t>16/07/2018</a:t>
+              <a:t>17/07/2018</a:t>
             </a:fld>
             <a:endParaRPr lang="en-GB"/>
           </a:p>
@@ -1419,7 +1424,7 @@
           <a:p>
             <a:fld id="{02F046E9-A462-4556-9424-E2B18A2E9AD4}" type="datetimeFigureOut">
               <a:rPr lang="en-GB" smtClean="0"/>
-              <a:t>16/07/2018</a:t>
+              <a:t>17/07/2018</a:t>
             </a:fld>
             <a:endParaRPr lang="en-GB"/>
           </a:p>
@@ -1834,7 +1839,7 @@
           <a:p>
             <a:fld id="{02F046E9-A462-4556-9424-E2B18A2E9AD4}" type="datetimeFigureOut">
               <a:rPr lang="en-GB" smtClean="0"/>
-              <a:t>16/07/2018</a:t>
+              <a:t>17/07/2018</a:t>
             </a:fld>
             <a:endParaRPr lang="en-GB"/>
           </a:p>
@@ -1976,7 +1981,7 @@
           <a:p>
             <a:fld id="{02F046E9-A462-4556-9424-E2B18A2E9AD4}" type="datetimeFigureOut">
               <a:rPr lang="en-GB" smtClean="0"/>
-              <a:t>16/07/2018</a:t>
+              <a:t>17/07/2018</a:t>
             </a:fld>
             <a:endParaRPr lang="en-GB"/>
           </a:p>
@@ -2089,7 +2094,7 @@
           <a:p>
             <a:fld id="{02F046E9-A462-4556-9424-E2B18A2E9AD4}" type="datetimeFigureOut">
               <a:rPr lang="en-GB" smtClean="0"/>
-              <a:t>16/07/2018</a:t>
+              <a:t>17/07/2018</a:t>
             </a:fld>
             <a:endParaRPr lang="en-GB"/>
           </a:p>
@@ -2402,7 +2407,7 @@
           <a:p>
             <a:fld id="{02F046E9-A462-4556-9424-E2B18A2E9AD4}" type="datetimeFigureOut">
               <a:rPr lang="en-GB" smtClean="0"/>
-              <a:t>16/07/2018</a:t>
+              <a:t>17/07/2018</a:t>
             </a:fld>
             <a:endParaRPr lang="en-GB"/>
           </a:p>
@@ -2691,7 +2696,7 @@
           <a:p>
             <a:fld id="{02F046E9-A462-4556-9424-E2B18A2E9AD4}" type="datetimeFigureOut">
               <a:rPr lang="en-GB" smtClean="0"/>
-              <a:t>16/07/2018</a:t>
+              <a:t>17/07/2018</a:t>
             </a:fld>
             <a:endParaRPr lang="en-GB"/>
           </a:p>
@@ -2934,7 +2939,7 @@
           <a:p>
             <a:fld id="{02F046E9-A462-4556-9424-E2B18A2E9AD4}" type="datetimeFigureOut">
               <a:rPr lang="en-GB" smtClean="0"/>
-              <a:t>16/07/2018</a:t>
+              <a:t>17/07/2018</a:t>
             </a:fld>
             <a:endParaRPr lang="en-GB"/>
           </a:p>
@@ -3366,7 +3371,7 @@
         <p:spPr>
           <a:xfrm>
             <a:off x="4770783" y="781878"/>
-            <a:ext cx="684803" cy="369332"/>
+            <a:ext cx="3115596" cy="369332"/>
           </a:xfrm>
           <a:prstGeom prst="rect">
             <a:avLst/>
@@ -3381,7 +3386,15 @@
           <a:p>
             <a:r>
               <a:rPr lang="en-GB" dirty="0"/>
-              <a:t>Lab 1</a:t>
+              <a:t>Lab 1 </a:t>
+            </a:r>
+            <a:r>
+              <a:rPr lang="en-GB" dirty="0">
+                <a:solidFill>
+                  <a:srgbClr val="FF0000"/>
+                </a:solidFill>
+              </a:rPr>
+              <a:t>– Fine, nothing to change</a:t>
             </a:r>
           </a:p>
         </p:txBody>
@@ -3418,6 +3431,11 @@
               <a:rPr lang="en-GB" dirty="0"/>
               <a:t>Exercise 1.1: Matrix manipulation</a:t>
             </a:r>
+            <a:endParaRPr lang="en-GB" dirty="0">
+              <a:solidFill>
+                <a:srgbClr val="FF0000"/>
+              </a:solidFill>
+            </a:endParaRPr>
           </a:p>
         </p:txBody>
       </p:sp>
@@ -3671,7 +3689,7 @@
         <p:spPr>
           <a:xfrm>
             <a:off x="4770783" y="781878"/>
-            <a:ext cx="684803" cy="369332"/>
+            <a:ext cx="3115596" cy="369332"/>
           </a:xfrm>
           <a:prstGeom prst="rect">
             <a:avLst/>
@@ -3686,7 +3704,15 @@
           <a:p>
             <a:r>
               <a:rPr lang="en-GB" dirty="0"/>
-              <a:t>Lab 2</a:t>
+              <a:t>Lab 2 </a:t>
+            </a:r>
+            <a:r>
+              <a:rPr lang="en-GB" dirty="0">
+                <a:solidFill>
+                  <a:srgbClr val="FF0000"/>
+                </a:solidFill>
+              </a:rPr>
+              <a:t>– Fine, nothing to change</a:t>
             </a:r>
           </a:p>
         </p:txBody>
@@ -3757,6 +3783,51 @@
             <a:r>
               <a:rPr lang="en-GB" dirty="0"/>
               <a:t>Exercise 2.2: Switch/case</a:t>
+            </a:r>
+          </a:p>
+        </p:txBody>
+      </p:sp>
+      <p:sp>
+        <p:nvSpPr>
+          <p:cNvPr id="3" name="TextBox 2">
+            <a:extLst>
+              <a:ext uri="{FF2B5EF4-FFF2-40B4-BE49-F238E27FC236}">
+                <a16:creationId xmlns:a16="http://schemas.microsoft.com/office/drawing/2014/main" id="{FFE159B3-D833-4DC3-923A-7D2D58CB2AFA}"/>
+              </a:ext>
+            </a:extLst>
+          </p:cNvPr>
+          <p:cNvSpPr txBox="1"/>
+          <p:nvPr/>
+        </p:nvSpPr>
+        <p:spPr>
+          <a:xfrm>
+            <a:off x="2093843" y="3604591"/>
+            <a:ext cx="2251257" cy="369332"/>
+          </a:xfrm>
+          <a:prstGeom prst="rect">
+            <a:avLst/>
+          </a:prstGeom>
+          <a:noFill/>
+        </p:spPr>
+        <p:txBody>
+          <a:bodyPr wrap="none" rtlCol="0">
+            <a:spAutoFit/>
+          </a:bodyPr>
+          <a:lstStyle/>
+          <a:p>
+            <a:r>
+              <a:rPr lang="en-GB" dirty="0">
+                <a:solidFill>
+                  <a:schemeClr val="accent6">
+                    <a:lumMod val="50000"/>
+                  </a:schemeClr>
+                </a:solidFill>
+              </a:rPr>
+              <a:t>Potential for a Bonus.</a:t>
+            </a:r>
+            <a:r>
+              <a:rPr lang="en-GB" dirty="0"/>
+              <a:t> </a:t>
             </a:r>
           </a:p>
         </p:txBody>
@@ -3841,7 +3912,7 @@
         <p:spPr>
           <a:xfrm>
             <a:off x="2027583" y="1537252"/>
-            <a:ext cx="4366195" cy="369332"/>
+            <a:ext cx="8864350" cy="369332"/>
           </a:xfrm>
           <a:prstGeom prst="rect">
             <a:avLst/>
@@ -3856,7 +3927,15 @@
           <a:p>
             <a:r>
               <a:rPr lang="en-GB" dirty="0"/>
-              <a:t>Exercise 3.1: For Loops and nested For Loops</a:t>
+              <a:t>Exercise 3.1: For Loops and nested For Loops </a:t>
+            </a:r>
+            <a:r>
+              <a:rPr lang="en-GB" dirty="0">
+                <a:solidFill>
+                  <a:srgbClr val="FF0000"/>
+                </a:solidFill>
+              </a:rPr>
+              <a:t>– Scope to add relevance for ‘for loop’ counting</a:t>
             </a:r>
           </a:p>
         </p:txBody>

--- a/Lesson Layout.pptx
+++ b/Lesson Layout.pptx
@@ -11,8 +11,8 @@
     <p:sldId id="259" r:id="rId5"/>
     <p:sldId id="260" r:id="rId6"/>
     <p:sldId id="261" r:id="rId7"/>
-    <p:sldId id="262" r:id="rId8"/>
-    <p:sldId id="263" r:id="rId9"/>
+    <p:sldId id="263" r:id="rId8"/>
+    <p:sldId id="262" r:id="rId9"/>
     <p:sldId id="264" r:id="rId10"/>
     <p:sldId id="265" r:id="rId11"/>
   </p:sldIdLst>
@@ -270,7 +270,7 @@
           <a:p>
             <a:fld id="{02F046E9-A462-4556-9424-E2B18A2E9AD4}" type="datetimeFigureOut">
               <a:rPr lang="en-GB" smtClean="0"/>
-              <a:t>17/07/2018</a:t>
+              <a:t>19/07/2018</a:t>
             </a:fld>
             <a:endParaRPr lang="en-GB"/>
           </a:p>
@@ -470,7 +470,7 @@
           <a:p>
             <a:fld id="{02F046E9-A462-4556-9424-E2B18A2E9AD4}" type="datetimeFigureOut">
               <a:rPr lang="en-GB" smtClean="0"/>
-              <a:t>17/07/2018</a:t>
+              <a:t>19/07/2018</a:t>
             </a:fld>
             <a:endParaRPr lang="en-GB"/>
           </a:p>
@@ -680,7 +680,7 @@
           <a:p>
             <a:fld id="{02F046E9-A462-4556-9424-E2B18A2E9AD4}" type="datetimeFigureOut">
               <a:rPr lang="en-GB" smtClean="0"/>
-              <a:t>17/07/2018</a:t>
+              <a:t>19/07/2018</a:t>
             </a:fld>
             <a:endParaRPr lang="en-GB"/>
           </a:p>
@@ -880,7 +880,7 @@
           <a:p>
             <a:fld id="{02F046E9-A462-4556-9424-E2B18A2E9AD4}" type="datetimeFigureOut">
               <a:rPr lang="en-GB" smtClean="0"/>
-              <a:t>17/07/2018</a:t>
+              <a:t>19/07/2018</a:t>
             </a:fld>
             <a:endParaRPr lang="en-GB"/>
           </a:p>
@@ -1156,7 +1156,7 @@
           <a:p>
             <a:fld id="{02F046E9-A462-4556-9424-E2B18A2E9AD4}" type="datetimeFigureOut">
               <a:rPr lang="en-GB" smtClean="0"/>
-              <a:t>17/07/2018</a:t>
+              <a:t>19/07/2018</a:t>
             </a:fld>
             <a:endParaRPr lang="en-GB"/>
           </a:p>
@@ -1424,7 +1424,7 @@
           <a:p>
             <a:fld id="{02F046E9-A462-4556-9424-E2B18A2E9AD4}" type="datetimeFigureOut">
               <a:rPr lang="en-GB" smtClean="0"/>
-              <a:t>17/07/2018</a:t>
+              <a:t>19/07/2018</a:t>
             </a:fld>
             <a:endParaRPr lang="en-GB"/>
           </a:p>
@@ -1839,7 +1839,7 @@
           <a:p>
             <a:fld id="{02F046E9-A462-4556-9424-E2B18A2E9AD4}" type="datetimeFigureOut">
               <a:rPr lang="en-GB" smtClean="0"/>
-              <a:t>17/07/2018</a:t>
+              <a:t>19/07/2018</a:t>
             </a:fld>
             <a:endParaRPr lang="en-GB"/>
           </a:p>
@@ -1981,7 +1981,7 @@
           <a:p>
             <a:fld id="{02F046E9-A462-4556-9424-E2B18A2E9AD4}" type="datetimeFigureOut">
               <a:rPr lang="en-GB" smtClean="0"/>
-              <a:t>17/07/2018</a:t>
+              <a:t>19/07/2018</a:t>
             </a:fld>
             <a:endParaRPr lang="en-GB"/>
           </a:p>
@@ -2094,7 +2094,7 @@
           <a:p>
             <a:fld id="{02F046E9-A462-4556-9424-E2B18A2E9AD4}" type="datetimeFigureOut">
               <a:rPr lang="en-GB" smtClean="0"/>
-              <a:t>17/07/2018</a:t>
+              <a:t>19/07/2018</a:t>
             </a:fld>
             <a:endParaRPr lang="en-GB"/>
           </a:p>
@@ -2407,7 +2407,7 @@
           <a:p>
             <a:fld id="{02F046E9-A462-4556-9424-E2B18A2E9AD4}" type="datetimeFigureOut">
               <a:rPr lang="en-GB" smtClean="0"/>
-              <a:t>17/07/2018</a:t>
+              <a:t>19/07/2018</a:t>
             </a:fld>
             <a:endParaRPr lang="en-GB"/>
           </a:p>
@@ -2696,7 +2696,7 @@
           <a:p>
             <a:fld id="{02F046E9-A462-4556-9424-E2B18A2E9AD4}" type="datetimeFigureOut">
               <a:rPr lang="en-GB" smtClean="0"/>
-              <a:t>17/07/2018</a:t>
+              <a:t>19/07/2018</a:t>
             </a:fld>
             <a:endParaRPr lang="en-GB"/>
           </a:p>
@@ -2939,7 +2939,7 @@
           <a:p>
             <a:fld id="{02F046E9-A462-4556-9424-E2B18A2E9AD4}" type="datetimeFigureOut">
               <a:rPr lang="en-GB" smtClean="0"/>
-              <a:t>17/07/2018</a:t>
+              <a:t>19/07/2018</a:t>
             </a:fld>
             <a:endParaRPr lang="en-GB"/>
           </a:p>
@@ -3802,7 +3802,7 @@
         <p:spPr>
           <a:xfrm>
             <a:off x="2093843" y="3604591"/>
-            <a:ext cx="2251257" cy="369332"/>
+            <a:ext cx="3922677" cy="369332"/>
           </a:xfrm>
           <a:prstGeom prst="rect">
             <a:avLst/>
@@ -3823,7 +3823,7 @@
                   </a:schemeClr>
                 </a:solidFill>
               </a:rPr>
-              <a:t>Potential for a Bonus.</a:t>
+              <a:t>Potential for a Bonus but probably not.</a:t>
             </a:r>
             <a:r>
               <a:rPr lang="en-GB" dirty="0"/>
@@ -4508,10 +4508,10 @@
       </p:sp>
       <p:sp>
         <p:nvSpPr>
-          <p:cNvPr id="2" name="TextBox 1">
-            <a:extLst>
-              <a:ext uri="{FF2B5EF4-FFF2-40B4-BE49-F238E27FC236}">
-                <a16:creationId xmlns:a16="http://schemas.microsoft.com/office/drawing/2014/main" id="{D5A4F223-FA91-4525-B20E-CA9DD10FC40F}"/>
+          <p:cNvPr id="3" name="TextBox 2">
+            <a:extLst>
+              <a:ext uri="{FF2B5EF4-FFF2-40B4-BE49-F238E27FC236}">
+                <a16:creationId xmlns:a16="http://schemas.microsoft.com/office/drawing/2014/main" id="{21478EDF-6459-4F04-BB4C-AA20AC917BA8}"/>
               </a:ext>
             </a:extLst>
           </p:cNvPr>
@@ -4520,8 +4520,8 @@
         </p:nvSpPr>
         <p:spPr>
           <a:xfrm>
-            <a:off x="2014330" y="1484243"/>
-            <a:ext cx="2372894" cy="1200329"/>
+            <a:off x="1974573" y="1868556"/>
+            <a:ext cx="6703053" cy="369332"/>
           </a:xfrm>
           <a:prstGeom prst="rect">
             <a:avLst/>
@@ -4536,37 +4536,23 @@
           <a:p>
             <a:r>
               <a:rPr lang="en-GB" dirty="0"/>
-              <a:t>Exercise 7.1: Build a </a:t>
+              <a:t>Exercise 7.1: Solving simultaneous equations using matrices in </a:t>
             </a:r>
             <a:r>
               <a:rPr lang="en-GB" dirty="0" err="1"/>
-              <a:t>gui</a:t>
-            </a:r>
-            <a:endParaRPr lang="en-GB" dirty="0"/>
-          </a:p>
-          <a:p>
-            <a:endParaRPr lang="en-GB" dirty="0"/>
-          </a:p>
-          <a:p>
-            <a:endParaRPr lang="en-GB" dirty="0"/>
-          </a:p>
-          <a:p>
+              <a:t>matlab</a:t>
+            </a:r>
             <a:r>
               <a:rPr lang="en-GB" dirty="0"/>
-              <a:t>Exercise 7.2 </a:t>
-            </a:r>
-            <a:r>
-              <a:rPr lang="en-GB" dirty="0" err="1"/>
-              <a:t>labview</a:t>
-            </a:r>
-            <a:endParaRPr lang="en-GB" dirty="0"/>
+              <a:t>.</a:t>
+            </a:r>
           </a:p>
         </p:txBody>
       </p:sp>
     </p:spTree>
     <p:extLst>
       <p:ext uri="{BB962C8B-B14F-4D97-AF65-F5344CB8AC3E}">
-        <p14:creationId xmlns:p14="http://schemas.microsoft.com/office/powerpoint/2010/main" val="916561986"/>
+        <p14:creationId xmlns:p14="http://schemas.microsoft.com/office/powerpoint/2010/main" val="3140238465"/>
       </p:ext>
     </p:extLst>
   </p:cSld>
@@ -4630,10 +4616,10 @@
       </p:sp>
       <p:sp>
         <p:nvSpPr>
-          <p:cNvPr id="3" name="TextBox 2">
-            <a:extLst>
-              <a:ext uri="{FF2B5EF4-FFF2-40B4-BE49-F238E27FC236}">
-                <a16:creationId xmlns:a16="http://schemas.microsoft.com/office/drawing/2014/main" id="{21478EDF-6459-4F04-BB4C-AA20AC917BA8}"/>
+          <p:cNvPr id="2" name="TextBox 1">
+            <a:extLst>
+              <a:ext uri="{FF2B5EF4-FFF2-40B4-BE49-F238E27FC236}">
+                <a16:creationId xmlns:a16="http://schemas.microsoft.com/office/drawing/2014/main" id="{D5A4F223-FA91-4525-B20E-CA9DD10FC40F}"/>
               </a:ext>
             </a:extLst>
           </p:cNvPr>
@@ -4642,8 +4628,8 @@
         </p:nvSpPr>
         <p:spPr>
           <a:xfrm>
-            <a:off x="1974573" y="1868556"/>
-            <a:ext cx="6703053" cy="369332"/>
+            <a:off x="2014330" y="1484243"/>
+            <a:ext cx="3244927" cy="1200329"/>
           </a:xfrm>
           <a:prstGeom prst="rect">
             <a:avLst/>
@@ -4658,23 +4644,37 @@
           <a:p>
             <a:r>
               <a:rPr lang="en-GB" dirty="0"/>
-              <a:t>Exercise 8.1: Solving simultaneous equations using matrices in </a:t>
+              <a:t>Exercise 8.1: Build a </a:t>
             </a:r>
             <a:r>
               <a:rPr lang="en-GB" dirty="0" err="1"/>
-              <a:t>matlab</a:t>
-            </a:r>
+              <a:t>gui</a:t>
+            </a:r>
+            <a:endParaRPr lang="en-GB" dirty="0"/>
+          </a:p>
+          <a:p>
+            <a:endParaRPr lang="en-GB" dirty="0"/>
+          </a:p>
+          <a:p>
+            <a:endParaRPr lang="en-GB" dirty="0"/>
+          </a:p>
+          <a:p>
             <a:r>
               <a:rPr lang="en-GB" dirty="0"/>
-              <a:t>.</a:t>
-            </a:r>
+              <a:t>Exercise 8.2 LabVIEW (</a:t>
+            </a:r>
+            <a:r>
+              <a:rPr lang="en-GB"/>
+              <a:t>not china)</a:t>
+            </a:r>
+            <a:endParaRPr lang="en-GB" dirty="0"/>
           </a:p>
         </p:txBody>
       </p:sp>
     </p:spTree>
     <p:extLst>
       <p:ext uri="{BB962C8B-B14F-4D97-AF65-F5344CB8AC3E}">
-        <p14:creationId xmlns:p14="http://schemas.microsoft.com/office/powerpoint/2010/main" val="3140238465"/>
+        <p14:creationId xmlns:p14="http://schemas.microsoft.com/office/powerpoint/2010/main" val="916561986"/>
       </p:ext>
     </p:extLst>
   </p:cSld>
